--- a/cs447tk_lab6.pptx
+++ b/cs447tk_lab6.pptx
@@ -229,7 +229,7 @@
           <a:p>
             <a:fld id="{79DACF82-7282-4538-9925-81D795D18BF0}" type="datetimeFigureOut">
               <a:rPr lang="en-US" smtClean="0"/>
-              <a:t>6/19/2018</a:t>
+              <a:t>6/20/2018</a:t>
             </a:fld>
             <a:endParaRPr lang="en-US"/>
           </a:p>
@@ -627,7 +627,7 @@
           <a:p>
             <a:fld id="{7880F47B-3C72-48E5-9CD2-8B9AE0E9AFF7}" type="datetimeFigureOut">
               <a:rPr lang="en-US" smtClean="0"/>
-              <a:t>6/19/2018</a:t>
+              <a:t>6/20/2018</a:t>
             </a:fld>
             <a:endParaRPr lang="en-US"/>
           </a:p>
@@ -797,7 +797,7 @@
           <a:p>
             <a:fld id="{7880F47B-3C72-48E5-9CD2-8B9AE0E9AFF7}" type="datetimeFigureOut">
               <a:rPr lang="en-US" smtClean="0"/>
-              <a:t>6/19/2018</a:t>
+              <a:t>6/20/2018</a:t>
             </a:fld>
             <a:endParaRPr lang="en-US"/>
           </a:p>
@@ -977,7 +977,7 @@
           <a:p>
             <a:fld id="{7880F47B-3C72-48E5-9CD2-8B9AE0E9AFF7}" type="datetimeFigureOut">
               <a:rPr lang="en-US" smtClean="0"/>
-              <a:t>6/19/2018</a:t>
+              <a:t>6/20/2018</a:t>
             </a:fld>
             <a:endParaRPr lang="en-US"/>
           </a:p>
@@ -1147,7 +1147,7 @@
           <a:p>
             <a:fld id="{7880F47B-3C72-48E5-9CD2-8B9AE0E9AFF7}" type="datetimeFigureOut">
               <a:rPr lang="en-US" smtClean="0"/>
-              <a:t>6/19/2018</a:t>
+              <a:t>6/20/2018</a:t>
             </a:fld>
             <a:endParaRPr lang="en-US"/>
           </a:p>
@@ -1391,7 +1391,7 @@
           <a:p>
             <a:fld id="{7880F47B-3C72-48E5-9CD2-8B9AE0E9AFF7}" type="datetimeFigureOut">
               <a:rPr lang="en-US" smtClean="0"/>
-              <a:t>6/19/2018</a:t>
+              <a:t>6/20/2018</a:t>
             </a:fld>
             <a:endParaRPr lang="en-US"/>
           </a:p>
@@ -1623,7 +1623,7 @@
           <a:p>
             <a:fld id="{7880F47B-3C72-48E5-9CD2-8B9AE0E9AFF7}" type="datetimeFigureOut">
               <a:rPr lang="en-US" smtClean="0"/>
-              <a:t>6/19/2018</a:t>
+              <a:t>6/20/2018</a:t>
             </a:fld>
             <a:endParaRPr lang="en-US"/>
           </a:p>
@@ -1990,7 +1990,7 @@
           <a:p>
             <a:fld id="{7880F47B-3C72-48E5-9CD2-8B9AE0E9AFF7}" type="datetimeFigureOut">
               <a:rPr lang="en-US" smtClean="0"/>
-              <a:t>6/19/2018</a:t>
+              <a:t>6/20/2018</a:t>
             </a:fld>
             <a:endParaRPr lang="en-US"/>
           </a:p>
@@ -2108,7 +2108,7 @@
           <a:p>
             <a:fld id="{7880F47B-3C72-48E5-9CD2-8B9AE0E9AFF7}" type="datetimeFigureOut">
               <a:rPr lang="en-US" smtClean="0"/>
-              <a:t>6/19/2018</a:t>
+              <a:t>6/20/2018</a:t>
             </a:fld>
             <a:endParaRPr lang="en-US"/>
           </a:p>
@@ -2203,7 +2203,7 @@
           <a:p>
             <a:fld id="{7880F47B-3C72-48E5-9CD2-8B9AE0E9AFF7}" type="datetimeFigureOut">
               <a:rPr lang="en-US" smtClean="0"/>
-              <a:t>6/19/2018</a:t>
+              <a:t>6/20/2018</a:t>
             </a:fld>
             <a:endParaRPr lang="en-US"/>
           </a:p>
@@ -2480,7 +2480,7 @@
           <a:p>
             <a:fld id="{7880F47B-3C72-48E5-9CD2-8B9AE0E9AFF7}" type="datetimeFigureOut">
               <a:rPr lang="en-US" smtClean="0"/>
-              <a:t>6/19/2018</a:t>
+              <a:t>6/20/2018</a:t>
             </a:fld>
             <a:endParaRPr lang="en-US"/>
           </a:p>
@@ -2737,7 +2737,7 @@
           <a:p>
             <a:fld id="{7880F47B-3C72-48E5-9CD2-8B9AE0E9AFF7}" type="datetimeFigureOut">
               <a:rPr lang="en-US" smtClean="0"/>
-              <a:t>6/19/2018</a:t>
+              <a:t>6/20/2018</a:t>
             </a:fld>
             <a:endParaRPr lang="en-US"/>
           </a:p>
@@ -2950,7 +2950,7 @@
           <a:p>
             <a:fld id="{7880F47B-3C72-48E5-9CD2-8B9AE0E9AFF7}" type="datetimeFigureOut">
               <a:rPr lang="en-US" smtClean="0"/>
-              <a:t>6/19/2018</a:t>
+              <a:t>6/20/2018</a:t>
             </a:fld>
             <a:endParaRPr lang="en-US"/>
           </a:p>
@@ -3382,8 +3382,21 @@
                   <a:srgbClr val="002060"/>
                 </a:solidFill>
               </a:rPr>
-              <a:t>CS447 Recitation #6: 6/19/18</a:t>
-            </a:r>
+              <a:t>CS447 Recitation #6: </a:t>
+            </a:r>
+            <a:r>
+              <a:rPr lang="en-US" sz="2800" dirty="0" smtClean="0">
+                <a:solidFill>
+                  <a:srgbClr val="002060"/>
+                </a:solidFill>
+              </a:rPr>
+              <a:t>6/20/18</a:t>
+            </a:r>
+            <a:endParaRPr lang="en-US" sz="2800" dirty="0">
+              <a:solidFill>
+                <a:srgbClr val="002060"/>
+              </a:solidFill>
+            </a:endParaRPr>
           </a:p>
         </p:txBody>
       </p:sp>
@@ -3510,6 +3523,13 @@
   <p:clrMapOvr>
     <a:masterClrMapping/>
   </p:clrMapOvr>
+  <p:timing>
+    <p:tnLst>
+      <p:par>
+        <p:cTn id="1" dur="indefinite" restart="never" nodeType="tmRoot"/>
+      </p:par>
+    </p:tnLst>
+  </p:timing>
 </p:sld>
 </file>
 
@@ -3653,6 +3673,13 @@
   <p:clrMapOvr>
     <a:masterClrMapping/>
   </p:clrMapOvr>
+  <p:timing>
+    <p:tnLst>
+      <p:par>
+        <p:cTn id="1" dur="indefinite" restart="never" nodeType="tmRoot"/>
+      </p:par>
+    </p:tnLst>
+  </p:timing>
 </p:sld>
 </file>
 
@@ -3850,6 +3877,13 @@
   <p:clrMapOvr>
     <a:masterClrMapping/>
   </p:clrMapOvr>
+  <p:timing>
+    <p:tnLst>
+      <p:par>
+        <p:cTn id="1" dur="indefinite" restart="never" nodeType="tmRoot"/>
+      </p:par>
+    </p:tnLst>
+  </p:timing>
 </p:sld>
 </file>
 
@@ -4068,6 +4102,13 @@
   <p:clrMapOvr>
     <a:masterClrMapping/>
   </p:clrMapOvr>
+  <p:timing>
+    <p:tnLst>
+      <p:par>
+        <p:cTn id="1" dur="indefinite" restart="never" nodeType="tmRoot"/>
+      </p:par>
+    </p:tnLst>
+  </p:timing>
 </p:sld>
 </file>
 
@@ -4189,6 +4230,13 @@
   <p:clrMapOvr>
     <a:masterClrMapping/>
   </p:clrMapOvr>
+  <p:timing>
+    <p:tnLst>
+      <p:par>
+        <p:cTn id="1" dur="indefinite" restart="never" nodeType="tmRoot"/>
+      </p:par>
+    </p:tnLst>
+  </p:timing>
 </p:sld>
 </file>
 
@@ -4416,6 +4464,13 @@
   <p:clrMapOvr>
     <a:masterClrMapping/>
   </p:clrMapOvr>
+  <p:timing>
+    <p:tnLst>
+      <p:par>
+        <p:cTn id="1" dur="indefinite" restart="never" nodeType="tmRoot"/>
+      </p:par>
+    </p:tnLst>
+  </p:timing>
 </p:sld>
 </file>
 
@@ -4626,6 +4681,13 @@
   <p:clrMapOvr>
     <a:masterClrMapping/>
   </p:clrMapOvr>
+  <p:timing>
+    <p:tnLst>
+      <p:par>
+        <p:cTn id="1" dur="indefinite" restart="never" nodeType="tmRoot"/>
+      </p:par>
+    </p:tnLst>
+  </p:timing>
 </p:sld>
 </file>
 
@@ -4841,6 +4903,13 @@
   <p:clrMapOvr>
     <a:masterClrMapping/>
   </p:clrMapOvr>
+  <p:timing>
+    <p:tnLst>
+      <p:par>
+        <p:cTn id="1" dur="indefinite" restart="never" nodeType="tmRoot"/>
+      </p:par>
+    </p:tnLst>
+  </p:timing>
 </p:sld>
 </file>
 
@@ -5056,6 +5125,13 @@
   <p:clrMapOvr>
     <a:masterClrMapping/>
   </p:clrMapOvr>
+  <p:timing>
+    <p:tnLst>
+      <p:par>
+        <p:cTn id="1" dur="indefinite" restart="never" nodeType="tmRoot"/>
+      </p:par>
+    </p:tnLst>
+  </p:timing>
 </p:sld>
 </file>
 
@@ -5191,6 +5267,13 @@
   <p:clrMapOvr>
     <a:masterClrMapping/>
   </p:clrMapOvr>
+  <p:timing>
+    <p:tnLst>
+      <p:par>
+        <p:cTn id="1" dur="indefinite" restart="never" nodeType="tmRoot"/>
+      </p:par>
+    </p:tnLst>
+  </p:timing>
 </p:sld>
 </file>
 
